--- a/Documentation/Cijferanalyse VRK 2019.pptx
+++ b/Documentation/Cijferanalyse VRK 2019.pptx
@@ -160,7 +160,7 @@
 <file path=ppt/charts/chart1.xml><?xml version="1.0" encoding="utf-8"?>
 <c:chartSpace xmlns:c="http://schemas.openxmlformats.org/drawingml/2006/chart" xmlns:a="http://schemas.openxmlformats.org/drawingml/2006/main" xmlns:r="http://schemas.openxmlformats.org/officeDocument/2006/relationships" xmlns:c16r2="http://schemas.microsoft.com/office/drawing/2015/06/chart">
   <c:date1904 val="0"/>
-  <c:lang val="nl-NL"/>
+  <c:lang val="en-US"/>
   <c:roundedCorners val="0"/>
   <mc:AlternateContent xmlns:mc="http://schemas.openxmlformats.org/markup-compatibility/2006">
     <mc:Choice xmlns:c14="http://schemas.microsoft.com/office/drawing/2007/8/2/chart" Requires="c14">
@@ -438,7 +438,7 @@
                 <a:cs typeface="+mn-cs"/>
               </a:defRPr>
             </a:pPr>
-            <a:endParaRPr lang="nl-BE"/>
+            <a:endParaRPr lang="en-BE"/>
           </a:p>
         </c:txPr>
         <c:crossAx val="440510336"/>
@@ -498,7 +498,7 @@
                 <a:cs typeface="+mn-cs"/>
               </a:defRPr>
             </a:pPr>
-            <a:endParaRPr lang="nl-BE"/>
+            <a:endParaRPr lang="en-BE"/>
           </a:p>
         </c:txPr>
         <c:crossAx val="440508040"/>
@@ -542,7 +542,7 @@
               <a:cs typeface="+mn-cs"/>
             </a:defRPr>
           </a:pPr>
-          <a:endParaRPr lang="nl-BE"/>
+          <a:endParaRPr lang="en-BE"/>
         </a:p>
       </c:txPr>
     </c:legend>
@@ -564,7 +564,7 @@
       <a:pPr>
         <a:defRPr/>
       </a:pPr>
-      <a:endParaRPr lang="nl-BE"/>
+      <a:endParaRPr lang="en-BE"/>
     </a:p>
   </c:txPr>
   <c:externalData r:id="rId3">
@@ -576,7 +576,7 @@
 <file path=ppt/charts/chart2.xml><?xml version="1.0" encoding="utf-8"?>
 <c:chartSpace xmlns:c="http://schemas.openxmlformats.org/drawingml/2006/chart" xmlns:a="http://schemas.openxmlformats.org/drawingml/2006/main" xmlns:r="http://schemas.openxmlformats.org/officeDocument/2006/relationships" xmlns:c16r2="http://schemas.microsoft.com/office/drawing/2015/06/chart">
   <c:date1904 val="0"/>
-  <c:lang val="nl-NL"/>
+  <c:lang val="en-US"/>
   <c:roundedCorners val="0"/>
   <mc:AlternateContent xmlns:mc="http://schemas.openxmlformats.org/markup-compatibility/2006">
     <mc:Choice xmlns:c14="http://schemas.microsoft.com/office/drawing/2007/8/2/chart" Requires="c14">
@@ -1033,7 +1033,7 @@
                 <a:cs typeface="+mn-cs"/>
               </a:defRPr>
             </a:pPr>
-            <a:endParaRPr lang="nl-BE"/>
+            <a:endParaRPr lang="en-BE"/>
           </a:p>
         </c:txPr>
         <c:crossAx val="443189272"/>
@@ -1093,7 +1093,7 @@
                 <a:cs typeface="+mn-cs"/>
               </a:defRPr>
             </a:pPr>
-            <a:endParaRPr lang="nl-BE"/>
+            <a:endParaRPr lang="en-BE"/>
           </a:p>
         </c:txPr>
         <c:crossAx val="443190912"/>
@@ -1135,7 +1135,7 @@
               <a:cs typeface="+mn-cs"/>
             </a:defRPr>
           </a:pPr>
-          <a:endParaRPr lang="nl-BE"/>
+          <a:endParaRPr lang="en-BE"/>
         </a:p>
       </c:txPr>
     </c:legend>
@@ -1157,7 +1157,7 @@
       <a:pPr>
         <a:defRPr/>
       </a:pPr>
-      <a:endParaRPr lang="nl-BE"/>
+      <a:endParaRPr lang="en-BE"/>
     </a:p>
   </c:txPr>
   <c:externalData r:id="rId3">
@@ -2360,7 +2360,7 @@
           <a:p>
             <a:fld id="{55ACFCA9-EE0F-409A-A8C3-56F056561412}" type="datetimeFigureOut">
               <a:rPr lang="nl-BE" smtClean="0"/>
-              <a:t>9/10/2019</a:t>
+              <a:t>28/12/2019</a:t>
             </a:fld>
             <a:endParaRPr lang="nl-BE"/>
           </a:p>
@@ -2519,7 +2519,7 @@
           <a:p>
             <a:fld id="{EC40B2C6-99A6-46E5-A4FE-A0208B410262}" type="slidenum">
               <a:rPr lang="nl-BE" smtClean="0"/>
-              <a:t>‹nr.›</a:t>
+              <a:t>‹#›</a:t>
             </a:fld>
             <a:endParaRPr lang="nl-BE"/>
           </a:p>
@@ -4274,7 +4274,7 @@
           <a:p>
             <a:fld id="{4E928996-A761-48F5-904A-3D23874764CB}" type="datetimeFigureOut">
               <a:rPr lang="nl-BE" smtClean="0"/>
-              <a:t>9/10/2019</a:t>
+              <a:t>28/12/2019</a:t>
             </a:fld>
             <a:endParaRPr lang="nl-BE"/>
           </a:p>
@@ -4316,7 +4316,7 @@
           <a:p>
             <a:fld id="{4D908FE6-92FF-41E5-B581-34241A2F11BF}" type="slidenum">
               <a:rPr lang="nl-BE" smtClean="0"/>
-              <a:t>‹nr.›</a:t>
+              <a:t>‹#›</a:t>
             </a:fld>
             <a:endParaRPr lang="nl-BE"/>
           </a:p>
@@ -4444,7 +4444,7 @@
           <a:p>
             <a:fld id="{4E928996-A761-48F5-904A-3D23874764CB}" type="datetimeFigureOut">
               <a:rPr lang="nl-BE" smtClean="0"/>
-              <a:t>9/10/2019</a:t>
+              <a:t>28/12/2019</a:t>
             </a:fld>
             <a:endParaRPr lang="nl-BE"/>
           </a:p>
@@ -4486,7 +4486,7 @@
           <a:p>
             <a:fld id="{4D908FE6-92FF-41E5-B581-34241A2F11BF}" type="slidenum">
               <a:rPr lang="nl-BE" smtClean="0"/>
-              <a:t>‹nr.›</a:t>
+              <a:t>‹#›</a:t>
             </a:fld>
             <a:endParaRPr lang="nl-BE"/>
           </a:p>
@@ -4624,7 +4624,7 @@
           <a:p>
             <a:fld id="{4E928996-A761-48F5-904A-3D23874764CB}" type="datetimeFigureOut">
               <a:rPr lang="nl-BE" smtClean="0"/>
-              <a:t>9/10/2019</a:t>
+              <a:t>28/12/2019</a:t>
             </a:fld>
             <a:endParaRPr lang="nl-BE"/>
           </a:p>
@@ -4666,7 +4666,7 @@
           <a:p>
             <a:fld id="{4D908FE6-92FF-41E5-B581-34241A2F11BF}" type="slidenum">
               <a:rPr lang="nl-BE" smtClean="0"/>
-              <a:t>‹nr.›</a:t>
+              <a:t>‹#›</a:t>
             </a:fld>
             <a:endParaRPr lang="nl-BE"/>
           </a:p>
@@ -5781,7 +5781,7 @@
                 </a:solidFill>
               </a:rPr>
               <a:pPr/>
-              <a:t>9/10/2019</a:t>
+              <a:t>28/12/2019</a:t>
             </a:fld>
             <a:endParaRPr lang="nl-BE">
               <a:solidFill>
@@ -5852,7 +5852,7 @@
                 </a:solidFill>
               </a:rPr>
               <a:pPr/>
-              <a:t>‹nr.›</a:t>
+              <a:t>‹#›</a:t>
             </a:fld>
             <a:endParaRPr lang="nl-BE">
               <a:solidFill>
@@ -5984,7 +5984,7 @@
           <a:p>
             <a:fld id="{4E928996-A761-48F5-904A-3D23874764CB}" type="datetimeFigureOut">
               <a:rPr lang="nl-BE" smtClean="0"/>
-              <a:t>9/10/2019</a:t>
+              <a:t>28/12/2019</a:t>
             </a:fld>
             <a:endParaRPr lang="nl-BE"/>
           </a:p>
@@ -6026,7 +6026,7 @@
           <a:p>
             <a:fld id="{4D908FE6-92FF-41E5-B581-34241A2F11BF}" type="slidenum">
               <a:rPr lang="nl-BE" smtClean="0"/>
-              <a:t>‹nr.›</a:t>
+              <a:t>‹#›</a:t>
             </a:fld>
             <a:endParaRPr lang="nl-BE"/>
           </a:p>
@@ -6230,7 +6230,7 @@
           <a:p>
             <a:fld id="{4E928996-A761-48F5-904A-3D23874764CB}" type="datetimeFigureOut">
               <a:rPr lang="nl-BE" smtClean="0"/>
-              <a:t>9/10/2019</a:t>
+              <a:t>28/12/2019</a:t>
             </a:fld>
             <a:endParaRPr lang="nl-BE"/>
           </a:p>
@@ -6272,7 +6272,7 @@
           <a:p>
             <a:fld id="{4D908FE6-92FF-41E5-B581-34241A2F11BF}" type="slidenum">
               <a:rPr lang="nl-BE" smtClean="0"/>
-              <a:t>‹nr.›</a:t>
+              <a:t>‹#›</a:t>
             </a:fld>
             <a:endParaRPr lang="nl-BE"/>
           </a:p>
@@ -6518,7 +6518,7 @@
           <a:p>
             <a:fld id="{4E928996-A761-48F5-904A-3D23874764CB}" type="datetimeFigureOut">
               <a:rPr lang="nl-BE" smtClean="0"/>
-              <a:t>9/10/2019</a:t>
+              <a:t>28/12/2019</a:t>
             </a:fld>
             <a:endParaRPr lang="nl-BE"/>
           </a:p>
@@ -6560,7 +6560,7 @@
           <a:p>
             <a:fld id="{4D908FE6-92FF-41E5-B581-34241A2F11BF}" type="slidenum">
               <a:rPr lang="nl-BE" smtClean="0"/>
-              <a:t>‹nr.›</a:t>
+              <a:t>‹#›</a:t>
             </a:fld>
             <a:endParaRPr lang="nl-BE"/>
           </a:p>
@@ -6940,7 +6940,7 @@
           <a:p>
             <a:fld id="{4E928996-A761-48F5-904A-3D23874764CB}" type="datetimeFigureOut">
               <a:rPr lang="nl-BE" smtClean="0"/>
-              <a:t>9/10/2019</a:t>
+              <a:t>28/12/2019</a:t>
             </a:fld>
             <a:endParaRPr lang="nl-BE"/>
           </a:p>
@@ -6982,7 +6982,7 @@
           <a:p>
             <a:fld id="{4D908FE6-92FF-41E5-B581-34241A2F11BF}" type="slidenum">
               <a:rPr lang="nl-BE" smtClean="0"/>
-              <a:t>‹nr.›</a:t>
+              <a:t>‹#›</a:t>
             </a:fld>
             <a:endParaRPr lang="nl-BE"/>
           </a:p>
@@ -7058,7 +7058,7 @@
           <a:p>
             <a:fld id="{4E928996-A761-48F5-904A-3D23874764CB}" type="datetimeFigureOut">
               <a:rPr lang="nl-BE" smtClean="0"/>
-              <a:t>9/10/2019</a:t>
+              <a:t>28/12/2019</a:t>
             </a:fld>
             <a:endParaRPr lang="nl-BE"/>
           </a:p>
@@ -7100,7 +7100,7 @@
           <a:p>
             <a:fld id="{4D908FE6-92FF-41E5-B581-34241A2F11BF}" type="slidenum">
               <a:rPr lang="nl-BE" smtClean="0"/>
-              <a:t>‹nr.›</a:t>
+              <a:t>‹#›</a:t>
             </a:fld>
             <a:endParaRPr lang="nl-BE"/>
           </a:p>
@@ -7153,7 +7153,7 @@
           <a:p>
             <a:fld id="{4E928996-A761-48F5-904A-3D23874764CB}" type="datetimeFigureOut">
               <a:rPr lang="nl-BE" smtClean="0"/>
-              <a:t>9/10/2019</a:t>
+              <a:t>28/12/2019</a:t>
             </a:fld>
             <a:endParaRPr lang="nl-BE"/>
           </a:p>
@@ -7195,7 +7195,7 @@
           <a:p>
             <a:fld id="{4D908FE6-92FF-41E5-B581-34241A2F11BF}" type="slidenum">
               <a:rPr lang="nl-BE" smtClean="0"/>
-              <a:t>‹nr.›</a:t>
+              <a:t>‹#›</a:t>
             </a:fld>
             <a:endParaRPr lang="nl-BE"/>
           </a:p>
@@ -7430,7 +7430,7 @@
           <a:p>
             <a:fld id="{4E928996-A761-48F5-904A-3D23874764CB}" type="datetimeFigureOut">
               <a:rPr lang="nl-BE" smtClean="0"/>
-              <a:t>9/10/2019</a:t>
+              <a:t>28/12/2019</a:t>
             </a:fld>
             <a:endParaRPr lang="nl-BE"/>
           </a:p>
@@ -7472,7 +7472,7 @@
           <a:p>
             <a:fld id="{4D908FE6-92FF-41E5-B581-34241A2F11BF}" type="slidenum">
               <a:rPr lang="nl-BE" smtClean="0"/>
-              <a:t>‹nr.›</a:t>
+              <a:t>‹#›</a:t>
             </a:fld>
             <a:endParaRPr lang="nl-BE"/>
           </a:p>
@@ -7683,7 +7683,7 @@
           <a:p>
             <a:fld id="{4E928996-A761-48F5-904A-3D23874764CB}" type="datetimeFigureOut">
               <a:rPr lang="nl-BE" smtClean="0"/>
-              <a:t>9/10/2019</a:t>
+              <a:t>28/12/2019</a:t>
             </a:fld>
             <a:endParaRPr lang="nl-BE"/>
           </a:p>
@@ -7725,7 +7725,7 @@
           <a:p>
             <a:fld id="{4D908FE6-92FF-41E5-B581-34241A2F11BF}" type="slidenum">
               <a:rPr lang="nl-BE" smtClean="0"/>
-              <a:t>‹nr.›</a:t>
+              <a:t>‹#›</a:t>
             </a:fld>
             <a:endParaRPr lang="nl-BE"/>
           </a:p>
@@ -7896,7 +7896,7 @@
           <a:p>
             <a:fld id="{4E928996-A761-48F5-904A-3D23874764CB}" type="datetimeFigureOut">
               <a:rPr lang="nl-BE" smtClean="0"/>
-              <a:t>9/10/2019</a:t>
+              <a:t>28/12/2019</a:t>
             </a:fld>
             <a:endParaRPr lang="nl-BE"/>
           </a:p>
@@ -7974,7 +7974,7 @@
           <a:p>
             <a:fld id="{4D908FE6-92FF-41E5-B581-34241A2F11BF}" type="slidenum">
               <a:rPr lang="nl-BE" smtClean="0"/>
-              <a:t>‹nr.›</a:t>
+              <a:t>‹#›</a:t>
             </a:fld>
             <a:endParaRPr lang="nl-BE"/>
           </a:p>
@@ -35217,7 +35217,7 @@
           <p:nvPr>
             <p:extLst>
               <p:ext uri="{D42A27DB-BD31-4B8C-83A1-F6EECF244321}">
-                <p14:modId xmlns:p14="http://schemas.microsoft.com/office/powerpoint/2010/main" val="49010211"/>
+                <p14:modId xmlns:p14="http://schemas.microsoft.com/office/powerpoint/2010/main" val="3329038033"/>
               </p:ext>
             </p:extLst>
           </p:nvPr>
@@ -35779,8 +35779,8 @@
                     <a:p>
                       <a:pPr marL="0" algn="l" defTabSz="914400" rtl="0" eaLnBrk="1" latinLnBrk="0" hangingPunct="1"/>
                       <a:r>
-                        <a:rPr lang="nl-BE" sz="1800" kern="1200" dirty="0"/>
-                        <a:t>45 %</a:t>
+                        <a:rPr lang="nl-BE" sz="1800" kern="1200"/>
+                        <a:t>45%</a:t>
                       </a:r>
                       <a:endParaRPr lang="nl-BE" sz="1800" b="0" kern="1200" dirty="0">
                         <a:solidFill>

--- a/Documentation/Cijferanalyse VRK 2019.pptx
+++ b/Documentation/Cijferanalyse VRK 2019.pptx
@@ -160,7 +160,7 @@
 <file path=ppt/charts/chart1.xml><?xml version="1.0" encoding="utf-8"?>
 <c:chartSpace xmlns:c="http://schemas.openxmlformats.org/drawingml/2006/chart" xmlns:a="http://schemas.openxmlformats.org/drawingml/2006/main" xmlns:r="http://schemas.openxmlformats.org/officeDocument/2006/relationships" xmlns:c16r2="http://schemas.microsoft.com/office/drawing/2015/06/chart">
   <c:date1904 val="0"/>
-  <c:lang val="en-US"/>
+  <c:lang val="nl-NL"/>
   <c:roundedCorners val="0"/>
   <mc:AlternateContent xmlns:mc="http://schemas.openxmlformats.org/markup-compatibility/2006">
     <mc:Choice xmlns:c14="http://schemas.microsoft.com/office/drawing/2007/8/2/chart" Requires="c14">
@@ -576,7 +576,7 @@
 <file path=ppt/charts/chart2.xml><?xml version="1.0" encoding="utf-8"?>
 <c:chartSpace xmlns:c="http://schemas.openxmlformats.org/drawingml/2006/chart" xmlns:a="http://schemas.openxmlformats.org/drawingml/2006/main" xmlns:r="http://schemas.openxmlformats.org/officeDocument/2006/relationships" xmlns:c16r2="http://schemas.microsoft.com/office/drawing/2015/06/chart">
   <c:date1904 val="0"/>
-  <c:lang val="en-US"/>
+  <c:lang val="nl-NL"/>
   <c:roundedCorners val="0"/>
   <mc:AlternateContent xmlns:mc="http://schemas.openxmlformats.org/markup-compatibility/2006">
     <mc:Choice xmlns:c14="http://schemas.microsoft.com/office/drawing/2007/8/2/chart" Requires="c14">
@@ -2360,7 +2360,7 @@
           <a:p>
             <a:fld id="{55ACFCA9-EE0F-409A-A8C3-56F056561412}" type="datetimeFigureOut">
               <a:rPr lang="nl-BE" smtClean="0"/>
-              <a:t>28/12/2019</a:t>
+              <a:t>27/05/2020</a:t>
             </a:fld>
             <a:endParaRPr lang="nl-BE"/>
           </a:p>
@@ -2519,7 +2519,7 @@
           <a:p>
             <a:fld id="{EC40B2C6-99A6-46E5-A4FE-A0208B410262}" type="slidenum">
               <a:rPr lang="nl-BE" smtClean="0"/>
-              <a:t>‹#›</a:t>
+              <a:t>‹nr.›</a:t>
             </a:fld>
             <a:endParaRPr lang="nl-BE"/>
           </a:p>
@@ -4274,7 +4274,7 @@
           <a:p>
             <a:fld id="{4E928996-A761-48F5-904A-3D23874764CB}" type="datetimeFigureOut">
               <a:rPr lang="nl-BE" smtClean="0"/>
-              <a:t>28/12/2019</a:t>
+              <a:t>27/05/2020</a:t>
             </a:fld>
             <a:endParaRPr lang="nl-BE"/>
           </a:p>
@@ -4316,7 +4316,7 @@
           <a:p>
             <a:fld id="{4D908FE6-92FF-41E5-B581-34241A2F11BF}" type="slidenum">
               <a:rPr lang="nl-BE" smtClean="0"/>
-              <a:t>‹#›</a:t>
+              <a:t>‹nr.›</a:t>
             </a:fld>
             <a:endParaRPr lang="nl-BE"/>
           </a:p>
@@ -4444,7 +4444,7 @@
           <a:p>
             <a:fld id="{4E928996-A761-48F5-904A-3D23874764CB}" type="datetimeFigureOut">
               <a:rPr lang="nl-BE" smtClean="0"/>
-              <a:t>28/12/2019</a:t>
+              <a:t>27/05/2020</a:t>
             </a:fld>
             <a:endParaRPr lang="nl-BE"/>
           </a:p>
@@ -4486,7 +4486,7 @@
           <a:p>
             <a:fld id="{4D908FE6-92FF-41E5-B581-34241A2F11BF}" type="slidenum">
               <a:rPr lang="nl-BE" smtClean="0"/>
-              <a:t>‹#›</a:t>
+              <a:t>‹nr.›</a:t>
             </a:fld>
             <a:endParaRPr lang="nl-BE"/>
           </a:p>
@@ -4624,7 +4624,7 @@
           <a:p>
             <a:fld id="{4E928996-A761-48F5-904A-3D23874764CB}" type="datetimeFigureOut">
               <a:rPr lang="nl-BE" smtClean="0"/>
-              <a:t>28/12/2019</a:t>
+              <a:t>27/05/2020</a:t>
             </a:fld>
             <a:endParaRPr lang="nl-BE"/>
           </a:p>
@@ -4666,7 +4666,7 @@
           <a:p>
             <a:fld id="{4D908FE6-92FF-41E5-B581-34241A2F11BF}" type="slidenum">
               <a:rPr lang="nl-BE" smtClean="0"/>
-              <a:t>‹#›</a:t>
+              <a:t>‹nr.›</a:t>
             </a:fld>
             <a:endParaRPr lang="nl-BE"/>
           </a:p>
@@ -5781,7 +5781,7 @@
                 </a:solidFill>
               </a:rPr>
               <a:pPr/>
-              <a:t>28/12/2019</a:t>
+              <a:t>27/05/2020</a:t>
             </a:fld>
             <a:endParaRPr lang="nl-BE">
               <a:solidFill>
@@ -5852,7 +5852,7 @@
                 </a:solidFill>
               </a:rPr>
               <a:pPr/>
-              <a:t>‹#›</a:t>
+              <a:t>‹nr.›</a:t>
             </a:fld>
             <a:endParaRPr lang="nl-BE">
               <a:solidFill>
@@ -5984,7 +5984,7 @@
           <a:p>
             <a:fld id="{4E928996-A761-48F5-904A-3D23874764CB}" type="datetimeFigureOut">
               <a:rPr lang="nl-BE" smtClean="0"/>
-              <a:t>28/12/2019</a:t>
+              <a:t>27/05/2020</a:t>
             </a:fld>
             <a:endParaRPr lang="nl-BE"/>
           </a:p>
@@ -6026,7 +6026,7 @@
           <a:p>
             <a:fld id="{4D908FE6-92FF-41E5-B581-34241A2F11BF}" type="slidenum">
               <a:rPr lang="nl-BE" smtClean="0"/>
-              <a:t>‹#›</a:t>
+              <a:t>‹nr.›</a:t>
             </a:fld>
             <a:endParaRPr lang="nl-BE"/>
           </a:p>
@@ -6230,7 +6230,7 @@
           <a:p>
             <a:fld id="{4E928996-A761-48F5-904A-3D23874764CB}" type="datetimeFigureOut">
               <a:rPr lang="nl-BE" smtClean="0"/>
-              <a:t>28/12/2019</a:t>
+              <a:t>27/05/2020</a:t>
             </a:fld>
             <a:endParaRPr lang="nl-BE"/>
           </a:p>
@@ -6272,7 +6272,7 @@
           <a:p>
             <a:fld id="{4D908FE6-92FF-41E5-B581-34241A2F11BF}" type="slidenum">
               <a:rPr lang="nl-BE" smtClean="0"/>
-              <a:t>‹#›</a:t>
+              <a:t>‹nr.›</a:t>
             </a:fld>
             <a:endParaRPr lang="nl-BE"/>
           </a:p>
@@ -6518,7 +6518,7 @@
           <a:p>
             <a:fld id="{4E928996-A761-48F5-904A-3D23874764CB}" type="datetimeFigureOut">
               <a:rPr lang="nl-BE" smtClean="0"/>
-              <a:t>28/12/2019</a:t>
+              <a:t>27/05/2020</a:t>
             </a:fld>
             <a:endParaRPr lang="nl-BE"/>
           </a:p>
@@ -6560,7 +6560,7 @@
           <a:p>
             <a:fld id="{4D908FE6-92FF-41E5-B581-34241A2F11BF}" type="slidenum">
               <a:rPr lang="nl-BE" smtClean="0"/>
-              <a:t>‹#›</a:t>
+              <a:t>‹nr.›</a:t>
             </a:fld>
             <a:endParaRPr lang="nl-BE"/>
           </a:p>
@@ -6940,7 +6940,7 @@
           <a:p>
             <a:fld id="{4E928996-A761-48F5-904A-3D23874764CB}" type="datetimeFigureOut">
               <a:rPr lang="nl-BE" smtClean="0"/>
-              <a:t>28/12/2019</a:t>
+              <a:t>27/05/2020</a:t>
             </a:fld>
             <a:endParaRPr lang="nl-BE"/>
           </a:p>
@@ -6982,7 +6982,7 @@
           <a:p>
             <a:fld id="{4D908FE6-92FF-41E5-B581-34241A2F11BF}" type="slidenum">
               <a:rPr lang="nl-BE" smtClean="0"/>
-              <a:t>‹#›</a:t>
+              <a:t>‹nr.›</a:t>
             </a:fld>
             <a:endParaRPr lang="nl-BE"/>
           </a:p>
@@ -7058,7 +7058,7 @@
           <a:p>
             <a:fld id="{4E928996-A761-48F5-904A-3D23874764CB}" type="datetimeFigureOut">
               <a:rPr lang="nl-BE" smtClean="0"/>
-              <a:t>28/12/2019</a:t>
+              <a:t>27/05/2020</a:t>
             </a:fld>
             <a:endParaRPr lang="nl-BE"/>
           </a:p>
@@ -7100,7 +7100,7 @@
           <a:p>
             <a:fld id="{4D908FE6-92FF-41E5-B581-34241A2F11BF}" type="slidenum">
               <a:rPr lang="nl-BE" smtClean="0"/>
-              <a:t>‹#›</a:t>
+              <a:t>‹nr.›</a:t>
             </a:fld>
             <a:endParaRPr lang="nl-BE"/>
           </a:p>
@@ -7153,7 +7153,7 @@
           <a:p>
             <a:fld id="{4E928996-A761-48F5-904A-3D23874764CB}" type="datetimeFigureOut">
               <a:rPr lang="nl-BE" smtClean="0"/>
-              <a:t>28/12/2019</a:t>
+              <a:t>27/05/2020</a:t>
             </a:fld>
             <a:endParaRPr lang="nl-BE"/>
           </a:p>
@@ -7195,7 +7195,7 @@
           <a:p>
             <a:fld id="{4D908FE6-92FF-41E5-B581-34241A2F11BF}" type="slidenum">
               <a:rPr lang="nl-BE" smtClean="0"/>
-              <a:t>‹#›</a:t>
+              <a:t>‹nr.›</a:t>
             </a:fld>
             <a:endParaRPr lang="nl-BE"/>
           </a:p>
@@ -7430,7 +7430,7 @@
           <a:p>
             <a:fld id="{4E928996-A761-48F5-904A-3D23874764CB}" type="datetimeFigureOut">
               <a:rPr lang="nl-BE" smtClean="0"/>
-              <a:t>28/12/2019</a:t>
+              <a:t>27/05/2020</a:t>
             </a:fld>
             <a:endParaRPr lang="nl-BE"/>
           </a:p>
@@ -7472,7 +7472,7 @@
           <a:p>
             <a:fld id="{4D908FE6-92FF-41E5-B581-34241A2F11BF}" type="slidenum">
               <a:rPr lang="nl-BE" smtClean="0"/>
-              <a:t>‹#›</a:t>
+              <a:t>‹nr.›</a:t>
             </a:fld>
             <a:endParaRPr lang="nl-BE"/>
           </a:p>
@@ -7683,7 +7683,7 @@
           <a:p>
             <a:fld id="{4E928996-A761-48F5-904A-3D23874764CB}" type="datetimeFigureOut">
               <a:rPr lang="nl-BE" smtClean="0"/>
-              <a:t>28/12/2019</a:t>
+              <a:t>27/05/2020</a:t>
             </a:fld>
             <a:endParaRPr lang="nl-BE"/>
           </a:p>
@@ -7725,7 +7725,7 @@
           <a:p>
             <a:fld id="{4D908FE6-92FF-41E5-B581-34241A2F11BF}" type="slidenum">
               <a:rPr lang="nl-BE" smtClean="0"/>
-              <a:t>‹#›</a:t>
+              <a:t>‹nr.›</a:t>
             </a:fld>
             <a:endParaRPr lang="nl-BE"/>
           </a:p>
@@ -7896,7 +7896,7 @@
           <a:p>
             <a:fld id="{4E928996-A761-48F5-904A-3D23874764CB}" type="datetimeFigureOut">
               <a:rPr lang="nl-BE" smtClean="0"/>
-              <a:t>28/12/2019</a:t>
+              <a:t>27/05/2020</a:t>
             </a:fld>
             <a:endParaRPr lang="nl-BE"/>
           </a:p>
@@ -7974,7 +7974,7 @@
           <a:p>
             <a:fld id="{4D908FE6-92FF-41E5-B581-34241A2F11BF}" type="slidenum">
               <a:rPr lang="nl-BE" smtClean="0"/>
-              <a:t>‹#›</a:t>
+              <a:t>‹nr.›</a:t>
             </a:fld>
             <a:endParaRPr lang="nl-BE"/>
           </a:p>
@@ -23971,7 +23971,7 @@
           <p:nvPr>
             <p:extLst>
               <p:ext uri="{D42A27DB-BD31-4B8C-83A1-F6EECF244321}">
-                <p14:modId xmlns:p14="http://schemas.microsoft.com/office/powerpoint/2010/main" val="1379600013"/>
+                <p14:modId xmlns:p14="http://schemas.microsoft.com/office/powerpoint/2010/main" val="1956301502"/>
               </p:ext>
             </p:extLst>
           </p:nvPr>
@@ -24641,7 +24641,7 @@
                     <a:p>
                       <a:pPr algn="l" rtl="0" fontAlgn="b"/>
                       <a:r>
-                        <a:rPr lang="nl-BE" sz="1400" b="0" i="0" u="none" strike="noStrike">
+                        <a:rPr lang="nl-BE" sz="1400" b="0" i="0" u="none" strike="noStrike" dirty="0">
                           <a:solidFill>
                             <a:srgbClr val="000000"/>
                           </a:solidFill>
@@ -24698,7 +24698,7 @@
                     <a:p>
                       <a:pPr algn="ctr" rtl="0" fontAlgn="b"/>
                       <a:r>
-                        <a:rPr lang="nl-BE" sz="1400" b="0" i="0" u="none" strike="noStrike">
+                        <a:rPr lang="nl-BE" sz="1400" b="0" i="0" u="none" strike="noStrike" dirty="0">
                           <a:solidFill>
                             <a:srgbClr val="000000"/>
                           </a:solidFill>
@@ -24983,7 +24983,7 @@
                     <a:p>
                       <a:pPr algn="ctr" rtl="0" fontAlgn="b"/>
                       <a:r>
-                        <a:rPr lang="nl-BE" sz="1400" b="0" i="0" u="none" strike="noStrike">
+                        <a:rPr lang="nl-BE" sz="1400" b="0" i="0" u="none" strike="noStrike" dirty="0">
                           <a:solidFill>
                             <a:srgbClr val="000000"/>
                           </a:solidFill>
@@ -25040,7 +25040,7 @@
                     <a:p>
                       <a:pPr algn="ctr" rtl="0" fontAlgn="b"/>
                       <a:r>
-                        <a:rPr lang="nl-BE" sz="1600" b="0" i="0" u="none" strike="noStrike">
+                        <a:rPr lang="nl-BE" sz="1400" b="0" i="0" u="none" strike="noStrike" dirty="0">
                           <a:solidFill>
                             <a:srgbClr val="000000"/>
                           </a:solidFill>
